--- a/Manuscript/Figures.pptx
+++ b/Manuscript/Figures.pptx
@@ -6,7 +6,8 @@
   </p:sldMasterIdLst>
   <p:sldIdLst>
     <p:sldId id="256" r:id="rId2"/>
-    <p:sldId id="257" r:id="rId3"/>
+    <p:sldId id="258" r:id="rId3"/>
+    <p:sldId id="257" r:id="rId4"/>
   </p:sldIdLst>
   <p:sldSz cx="12192000" cy="6858000"/>
   <p:notesSz cx="6858000" cy="9144000"/>
@@ -105,6 +106,11 @@
       </a:defRPr>
     </a:lvl9pPr>
   </p:defaultTextStyle>
+  <p:extLst>
+    <p:ext uri="{EFAFB233-063F-42B5-8137-9DF3F51BA10A}">
+      <p15:sldGuideLst xmlns:p15="http://schemas.microsoft.com/office/powerpoint/2012/main"/>
+    </p:ext>
+  </p:extLst>
 </p:presentation>
 </file>
 
@@ -257,7 +263,7 @@
           <a:p>
             <a:fld id="{065089C4-8F2D-4647-A84D-98F4F1558D6A}" type="datetimeFigureOut">
               <a:rPr lang="en-GB" smtClean="0"/>
-              <a:t>23/10/2023</a:t>
+              <a:t>24/10/2023</a:t>
             </a:fld>
             <a:endParaRPr lang="en-GB"/>
           </a:p>
@@ -457,7 +463,7 @@
           <a:p>
             <a:fld id="{065089C4-8F2D-4647-A84D-98F4F1558D6A}" type="datetimeFigureOut">
               <a:rPr lang="en-GB" smtClean="0"/>
-              <a:t>23/10/2023</a:t>
+              <a:t>24/10/2023</a:t>
             </a:fld>
             <a:endParaRPr lang="en-GB"/>
           </a:p>
@@ -667,7 +673,7 @@
           <a:p>
             <a:fld id="{065089C4-8F2D-4647-A84D-98F4F1558D6A}" type="datetimeFigureOut">
               <a:rPr lang="en-GB" smtClean="0"/>
-              <a:t>23/10/2023</a:t>
+              <a:t>24/10/2023</a:t>
             </a:fld>
             <a:endParaRPr lang="en-GB"/>
           </a:p>
@@ -867,7 +873,7 @@
           <a:p>
             <a:fld id="{065089C4-8F2D-4647-A84D-98F4F1558D6A}" type="datetimeFigureOut">
               <a:rPr lang="en-GB" smtClean="0"/>
-              <a:t>23/10/2023</a:t>
+              <a:t>24/10/2023</a:t>
             </a:fld>
             <a:endParaRPr lang="en-GB"/>
           </a:p>
@@ -1143,7 +1149,7 @@
           <a:p>
             <a:fld id="{065089C4-8F2D-4647-A84D-98F4F1558D6A}" type="datetimeFigureOut">
               <a:rPr lang="en-GB" smtClean="0"/>
-              <a:t>23/10/2023</a:t>
+              <a:t>24/10/2023</a:t>
             </a:fld>
             <a:endParaRPr lang="en-GB"/>
           </a:p>
@@ -1411,7 +1417,7 @@
           <a:p>
             <a:fld id="{065089C4-8F2D-4647-A84D-98F4F1558D6A}" type="datetimeFigureOut">
               <a:rPr lang="en-GB" smtClean="0"/>
-              <a:t>23/10/2023</a:t>
+              <a:t>24/10/2023</a:t>
             </a:fld>
             <a:endParaRPr lang="en-GB"/>
           </a:p>
@@ -1826,7 +1832,7 @@
           <a:p>
             <a:fld id="{065089C4-8F2D-4647-A84D-98F4F1558D6A}" type="datetimeFigureOut">
               <a:rPr lang="en-GB" smtClean="0"/>
-              <a:t>23/10/2023</a:t>
+              <a:t>24/10/2023</a:t>
             </a:fld>
             <a:endParaRPr lang="en-GB"/>
           </a:p>
@@ -1968,7 +1974,7 @@
           <a:p>
             <a:fld id="{065089C4-8F2D-4647-A84D-98F4F1558D6A}" type="datetimeFigureOut">
               <a:rPr lang="en-GB" smtClean="0"/>
-              <a:t>23/10/2023</a:t>
+              <a:t>24/10/2023</a:t>
             </a:fld>
             <a:endParaRPr lang="en-GB"/>
           </a:p>
@@ -2081,7 +2087,7 @@
           <a:p>
             <a:fld id="{065089C4-8F2D-4647-A84D-98F4F1558D6A}" type="datetimeFigureOut">
               <a:rPr lang="en-GB" smtClean="0"/>
-              <a:t>23/10/2023</a:t>
+              <a:t>24/10/2023</a:t>
             </a:fld>
             <a:endParaRPr lang="en-GB"/>
           </a:p>
@@ -2394,7 +2400,7 @@
           <a:p>
             <a:fld id="{065089C4-8F2D-4647-A84D-98F4F1558D6A}" type="datetimeFigureOut">
               <a:rPr lang="en-GB" smtClean="0"/>
-              <a:t>23/10/2023</a:t>
+              <a:t>24/10/2023</a:t>
             </a:fld>
             <a:endParaRPr lang="en-GB"/>
           </a:p>
@@ -2683,7 +2689,7 @@
           <a:p>
             <a:fld id="{065089C4-8F2D-4647-A84D-98F4F1558D6A}" type="datetimeFigureOut">
               <a:rPr lang="en-GB" smtClean="0"/>
-              <a:t>23/10/2023</a:t>
+              <a:t>24/10/2023</a:t>
             </a:fld>
             <a:endParaRPr lang="en-GB"/>
           </a:p>
@@ -2926,7 +2932,7 @@
           <a:p>
             <a:fld id="{065089C4-8F2D-4647-A84D-98F4F1558D6A}" type="datetimeFigureOut">
               <a:rPr lang="en-GB" smtClean="0"/>
-              <a:t>23/10/2023</a:t>
+              <a:t>24/10/2023</a:t>
             </a:fld>
             <a:endParaRPr lang="en-GB"/>
           </a:p>
@@ -3357,7 +3363,7 @@
         </p:nvSpPr>
         <p:spPr>
           <a:xfrm>
-            <a:off x="1434230" y="2382456"/>
+            <a:off x="1434230" y="1749893"/>
             <a:ext cx="4096011" cy="2934844"/>
           </a:xfrm>
           <a:prstGeom prst="rect">
@@ -3404,7 +3410,7 @@
         </p:nvSpPr>
         <p:spPr>
           <a:xfrm>
-            <a:off x="2635400" y="3601233"/>
+            <a:off x="2635400" y="2968670"/>
             <a:ext cx="1693669" cy="369332"/>
           </a:xfrm>
           <a:prstGeom prst="rect">
@@ -3452,7 +3458,7 @@
         </p:nvSpPr>
         <p:spPr>
           <a:xfrm>
-            <a:off x="1448692" y="782599"/>
+            <a:off x="1448692" y="150036"/>
             <a:ext cx="744858" cy="557409"/>
           </a:xfrm>
           <a:prstGeom prst="rect">
@@ -3499,7 +3505,7 @@
         </p:nvSpPr>
         <p:spPr>
           <a:xfrm>
-            <a:off x="3492675" y="787619"/>
+            <a:off x="3492675" y="155056"/>
             <a:ext cx="2037566" cy="1449221"/>
           </a:xfrm>
           <a:prstGeom prst="rect">
@@ -3546,7 +3552,7 @@
         </p:nvSpPr>
         <p:spPr>
           <a:xfrm>
-            <a:off x="1437432" y="738137"/>
+            <a:off x="1437432" y="105574"/>
             <a:ext cx="815351" cy="646331"/>
           </a:xfrm>
           <a:prstGeom prst="rect">
@@ -3588,7 +3594,7 @@
         </p:nvSpPr>
         <p:spPr>
           <a:xfrm>
-            <a:off x="3932703" y="1154904"/>
+            <a:off x="3932703" y="522341"/>
             <a:ext cx="1105880" cy="646331"/>
           </a:xfrm>
           <a:prstGeom prst="rect">
@@ -3629,7 +3635,7 @@
         </p:nvSpPr>
         <p:spPr>
           <a:xfrm>
-            <a:off x="1441631" y="1566699"/>
+            <a:off x="1441631" y="934136"/>
             <a:ext cx="1961835" cy="670142"/>
           </a:xfrm>
           <a:prstGeom prst="rect">
@@ -3676,7 +3682,7 @@
         </p:nvSpPr>
         <p:spPr>
           <a:xfrm>
-            <a:off x="1619853" y="1712314"/>
+            <a:off x="1619853" y="1079751"/>
             <a:ext cx="1740744" cy="369332"/>
           </a:xfrm>
           <a:prstGeom prst="rect">
@@ -3711,7 +3717,7 @@
         </p:nvSpPr>
         <p:spPr>
           <a:xfrm>
-            <a:off x="2367221" y="795108"/>
+            <a:off x="2367221" y="162545"/>
             <a:ext cx="1036246" cy="646331"/>
           </a:xfrm>
           <a:prstGeom prst="rect">
@@ -3746,7 +3752,7 @@
         </p:nvSpPr>
         <p:spPr>
           <a:xfrm>
-            <a:off x="2367221" y="785869"/>
+            <a:off x="2367221" y="153306"/>
             <a:ext cx="1036246" cy="670142"/>
           </a:xfrm>
           <a:prstGeom prst="rect">
@@ -3793,8 +3799,8 @@
         </p:nvSpPr>
         <p:spPr>
           <a:xfrm>
-            <a:off x="2554922" y="5900224"/>
-            <a:ext cx="1846275" cy="369332"/>
+            <a:off x="4151991" y="5480376"/>
+            <a:ext cx="1234201" cy="261610"/>
           </a:xfrm>
           <a:prstGeom prst="rect">
             <a:avLst/>
@@ -3802,13 +3808,13 @@
           <a:noFill/>
         </p:spPr>
         <p:txBody>
-          <a:bodyPr wrap="none" rtlCol="0">
+          <a:bodyPr wrap="square" rtlCol="0">
             <a:spAutoFit/>
           </a:bodyPr>
           <a:lstStyle/>
           <a:p>
             <a:r>
-              <a:rPr lang="en-GB" dirty="0"/>
+              <a:rPr lang="en-GB" sz="1100" dirty="0"/>
               <a:t>Hardware wiring?</a:t>
             </a:r>
           </a:p>
@@ -3828,7 +3834,7 @@
         </p:nvSpPr>
         <p:spPr>
           <a:xfrm>
-            <a:off x="1430055" y="5442559"/>
+            <a:off x="7060504" y="1553227"/>
             <a:ext cx="4096011" cy="1274431"/>
           </a:xfrm>
           <a:prstGeom prst="rect">
@@ -3861,6 +3867,36 @@
           </a:p>
         </p:txBody>
       </p:sp>
+      <p:pic>
+        <p:nvPicPr>
+          <p:cNvPr id="2" name="Grafik 1">
+            <a:extLst>
+              <a:ext uri="{FF2B5EF4-FFF2-40B4-BE49-F238E27FC236}">
+                <a16:creationId xmlns:a16="http://schemas.microsoft.com/office/drawing/2014/main" id="{14868224-3E7B-4C45-B970-3D955FE3C52B}"/>
+              </a:ext>
+            </a:extLst>
+          </p:cNvPr>
+          <p:cNvPicPr>
+            <a:picLocks noChangeAspect="1"/>
+          </p:cNvPicPr>
+          <p:nvPr/>
+        </p:nvPicPr>
+        <p:blipFill>
+          <a:blip r:embed="rId2"/>
+          <a:stretch>
+            <a:fillRect/>
+          </a:stretch>
+        </p:blipFill>
+        <p:spPr>
+          <a:xfrm>
+            <a:off x="1434230" y="4743248"/>
+            <a:ext cx="2594974" cy="1735867"/>
+          </a:xfrm>
+          <a:prstGeom prst="rect">
+            <a:avLst/>
+          </a:prstGeom>
+        </p:spPr>
+      </p:pic>
     </p:spTree>
     <p:extLst>
       <p:ext uri="{BB962C8B-B14F-4D97-AF65-F5344CB8AC3E}">
@@ -3875,6 +3911,831 @@
 </file>
 
 <file path=ppt/slides/slide2.xml><?xml version="1.0" encoding="utf-8"?>
+<p:sld xmlns:a="http://schemas.openxmlformats.org/drawingml/2006/main" xmlns:r="http://schemas.openxmlformats.org/officeDocument/2006/relationships" xmlns:p="http://schemas.openxmlformats.org/presentationml/2006/main">
+  <p:cSld>
+    <p:spTree>
+      <p:nvGrpSpPr>
+        <p:cNvPr id="1" name=""/>
+        <p:cNvGrpSpPr/>
+        <p:nvPr/>
+      </p:nvGrpSpPr>
+      <p:grpSpPr>
+        <a:xfrm>
+          <a:off x="0" y="0"/>
+          <a:ext cx="0" cy="0"/>
+          <a:chOff x="0" y="0"/>
+          <a:chExt cx="0" cy="0"/>
+        </a:xfrm>
+      </p:grpSpPr>
+      <p:sp>
+        <p:nvSpPr>
+          <p:cNvPr id="4" name="Rechteck 3">
+            <a:extLst>
+              <a:ext uri="{FF2B5EF4-FFF2-40B4-BE49-F238E27FC236}">
+                <a16:creationId xmlns:a16="http://schemas.microsoft.com/office/drawing/2014/main" id="{1413F5D8-3612-41C6-8D1B-E00D5FC8AC75}"/>
+              </a:ext>
+            </a:extLst>
+          </p:cNvPr>
+          <p:cNvSpPr/>
+          <p:nvPr/>
+        </p:nvSpPr>
+        <p:spPr>
+          <a:xfrm>
+            <a:off x="2267211" y="2668044"/>
+            <a:ext cx="1590806" cy="1327759"/>
+          </a:xfrm>
+          <a:prstGeom prst="rect">
+            <a:avLst/>
+          </a:prstGeom>
+          <a:noFill/>
+        </p:spPr>
+        <p:style>
+          <a:lnRef idx="2">
+            <a:schemeClr val="accent1">
+              <a:shade val="50000"/>
+            </a:schemeClr>
+          </a:lnRef>
+          <a:fillRef idx="1">
+            <a:schemeClr val="accent1"/>
+          </a:fillRef>
+          <a:effectRef idx="0">
+            <a:schemeClr val="accent1"/>
+          </a:effectRef>
+          <a:fontRef idx="minor">
+            <a:schemeClr val="lt1"/>
+          </a:fontRef>
+        </p:style>
+        <p:txBody>
+          <a:bodyPr rtlCol="0" anchor="ctr"/>
+          <a:lstStyle/>
+          <a:p>
+            <a:pPr algn="ctr"/>
+            <a:endParaRPr lang="en-GB"/>
+          </a:p>
+        </p:txBody>
+      </p:sp>
+      <p:sp>
+        <p:nvSpPr>
+          <p:cNvPr id="5" name="Textfeld 4">
+            <a:extLst>
+              <a:ext uri="{FF2B5EF4-FFF2-40B4-BE49-F238E27FC236}">
+                <a16:creationId xmlns:a16="http://schemas.microsoft.com/office/drawing/2014/main" id="{49412E47-F584-47FE-80AD-BE9F72046DA9}"/>
+              </a:ext>
+            </a:extLst>
+          </p:cNvPr>
+          <p:cNvSpPr txBox="1"/>
+          <p:nvPr/>
+        </p:nvSpPr>
+        <p:spPr>
+          <a:xfrm>
+            <a:off x="4456008" y="3147257"/>
+            <a:ext cx="1362424" cy="369332"/>
+          </a:xfrm>
+          <a:prstGeom prst="rect">
+            <a:avLst/>
+          </a:prstGeom>
+          <a:noFill/>
+        </p:spPr>
+        <p:txBody>
+          <a:bodyPr wrap="none" rtlCol="0">
+            <a:spAutoFit/>
+          </a:bodyPr>
+          <a:lstStyle/>
+          <a:p>
+            <a:r>
+              <a:rPr lang="en-GB" dirty="0"/>
+              <a:t>R</a:t>
+            </a:r>
+            <a:r>
+              <a:rPr lang="de-DE" altLang="zh-CN" dirty="0" err="1"/>
+              <a:t>aspberry</a:t>
+            </a:r>
+            <a:r>
+              <a:rPr lang="de-DE" altLang="zh-CN" dirty="0"/>
+              <a:t> </a:t>
+            </a:r>
+            <a:r>
+              <a:rPr lang="de-DE" altLang="zh-CN" dirty="0" err="1"/>
+              <a:t>pi</a:t>
+            </a:r>
+            <a:endParaRPr lang="en-GB" dirty="0"/>
+          </a:p>
+        </p:txBody>
+      </p:sp>
+      <p:sp>
+        <p:nvSpPr>
+          <p:cNvPr id="6" name="Textfeld 5">
+            <a:extLst>
+              <a:ext uri="{FF2B5EF4-FFF2-40B4-BE49-F238E27FC236}">
+                <a16:creationId xmlns:a16="http://schemas.microsoft.com/office/drawing/2014/main" id="{7687F4CE-658D-47E1-B401-86A5A15759E7}"/>
+              </a:ext>
+            </a:extLst>
+          </p:cNvPr>
+          <p:cNvSpPr txBox="1"/>
+          <p:nvPr/>
+        </p:nvSpPr>
+        <p:spPr>
+          <a:xfrm>
+            <a:off x="6134798" y="3151723"/>
+            <a:ext cx="667170" cy="369332"/>
+          </a:xfrm>
+          <a:prstGeom prst="rect">
+            <a:avLst/>
+          </a:prstGeom>
+          <a:noFill/>
+        </p:spPr>
+        <p:txBody>
+          <a:bodyPr wrap="none" rtlCol="0">
+            <a:spAutoFit/>
+          </a:bodyPr>
+          <a:lstStyle/>
+          <a:p>
+            <a:r>
+              <a:rPr lang="en-GB" dirty="0"/>
+              <a:t>DMD</a:t>
+            </a:r>
+          </a:p>
+        </p:txBody>
+      </p:sp>
+      <p:sp>
+        <p:nvSpPr>
+          <p:cNvPr id="7" name="Textfeld 6">
+            <a:extLst>
+              <a:ext uri="{FF2B5EF4-FFF2-40B4-BE49-F238E27FC236}">
+                <a16:creationId xmlns:a16="http://schemas.microsoft.com/office/drawing/2014/main" id="{46C419E0-31D9-4AA6-B0E1-2DFEBE6607CC}"/>
+              </a:ext>
+            </a:extLst>
+          </p:cNvPr>
+          <p:cNvSpPr txBox="1"/>
+          <p:nvPr/>
+        </p:nvSpPr>
+        <p:spPr>
+          <a:xfrm>
+            <a:off x="4384129" y="1835249"/>
+            <a:ext cx="753091" cy="369332"/>
+          </a:xfrm>
+          <a:prstGeom prst="rect">
+            <a:avLst/>
+          </a:prstGeom>
+          <a:noFill/>
+        </p:spPr>
+        <p:txBody>
+          <a:bodyPr wrap="none" rtlCol="0">
+            <a:spAutoFit/>
+          </a:bodyPr>
+          <a:lstStyle/>
+          <a:p>
+            <a:r>
+              <a:rPr lang="en-GB" dirty="0"/>
+              <a:t>ESP32</a:t>
+            </a:r>
+          </a:p>
+        </p:txBody>
+      </p:sp>
+      <p:sp>
+        <p:nvSpPr>
+          <p:cNvPr id="8" name="Textfeld 7">
+            <a:extLst>
+              <a:ext uri="{FF2B5EF4-FFF2-40B4-BE49-F238E27FC236}">
+                <a16:creationId xmlns:a16="http://schemas.microsoft.com/office/drawing/2014/main" id="{1757D031-74F5-408D-A7CB-12C437A8E894}"/>
+              </a:ext>
+            </a:extLst>
+          </p:cNvPr>
+          <p:cNvSpPr txBox="1"/>
+          <p:nvPr/>
+        </p:nvSpPr>
+        <p:spPr>
+          <a:xfrm>
+            <a:off x="6114789" y="2204581"/>
+            <a:ext cx="678391" cy="369332"/>
+          </a:xfrm>
+          <a:prstGeom prst="rect">
+            <a:avLst/>
+          </a:prstGeom>
+          <a:noFill/>
+        </p:spPr>
+        <p:txBody>
+          <a:bodyPr wrap="none" rtlCol="0">
+            <a:spAutoFit/>
+          </a:bodyPr>
+          <a:lstStyle/>
+          <a:p>
+            <a:r>
+              <a:rPr lang="en-GB" dirty="0"/>
+              <a:t>Laser</a:t>
+            </a:r>
+          </a:p>
+        </p:txBody>
+      </p:sp>
+      <p:sp>
+        <p:nvSpPr>
+          <p:cNvPr id="9" name="Textfeld 8">
+            <a:extLst>
+              <a:ext uri="{FF2B5EF4-FFF2-40B4-BE49-F238E27FC236}">
+                <a16:creationId xmlns:a16="http://schemas.microsoft.com/office/drawing/2014/main" id="{A3CA7D65-32A2-40B8-B3AB-437062387B4E}"/>
+              </a:ext>
+            </a:extLst>
+          </p:cNvPr>
+          <p:cNvSpPr txBox="1"/>
+          <p:nvPr/>
+        </p:nvSpPr>
+        <p:spPr>
+          <a:xfrm>
+            <a:off x="6114789" y="1421705"/>
+            <a:ext cx="939452" cy="369332"/>
+          </a:xfrm>
+          <a:prstGeom prst="rect">
+            <a:avLst/>
+          </a:prstGeom>
+          <a:noFill/>
+        </p:spPr>
+        <p:txBody>
+          <a:bodyPr wrap="square" rtlCol="0">
+            <a:spAutoFit/>
+          </a:bodyPr>
+          <a:lstStyle/>
+          <a:p>
+            <a:r>
+              <a:rPr lang="en-GB" dirty="0"/>
+              <a:t>Motor</a:t>
+            </a:r>
+          </a:p>
+        </p:txBody>
+      </p:sp>
+      <p:sp>
+        <p:nvSpPr>
+          <p:cNvPr id="10" name="Textfeld 9">
+            <a:extLst>
+              <a:ext uri="{FF2B5EF4-FFF2-40B4-BE49-F238E27FC236}">
+                <a16:creationId xmlns:a16="http://schemas.microsoft.com/office/drawing/2014/main" id="{686A87B0-81ED-47CD-AB7E-E799E03EA91C}"/>
+              </a:ext>
+            </a:extLst>
+          </p:cNvPr>
+          <p:cNvSpPr txBox="1"/>
+          <p:nvPr/>
+        </p:nvSpPr>
+        <p:spPr>
+          <a:xfrm>
+            <a:off x="4384129" y="4317304"/>
+            <a:ext cx="904478" cy="369332"/>
+          </a:xfrm>
+          <a:prstGeom prst="rect">
+            <a:avLst/>
+          </a:prstGeom>
+          <a:noFill/>
+        </p:spPr>
+        <p:txBody>
+          <a:bodyPr wrap="none" rtlCol="0">
+            <a:spAutoFit/>
+          </a:bodyPr>
+          <a:lstStyle/>
+          <a:p>
+            <a:r>
+              <a:rPr lang="de-DE" dirty="0" err="1"/>
+              <a:t>Camera</a:t>
+            </a:r>
+            <a:endParaRPr lang="en-GB" dirty="0"/>
+          </a:p>
+        </p:txBody>
+      </p:sp>
+      <p:sp>
+        <p:nvSpPr>
+          <p:cNvPr id="11" name="Textfeld 10">
+            <a:extLst>
+              <a:ext uri="{FF2B5EF4-FFF2-40B4-BE49-F238E27FC236}">
+                <a16:creationId xmlns:a16="http://schemas.microsoft.com/office/drawing/2014/main" id="{D5B4A7E4-B795-4FDB-9B9D-C979298BB801}"/>
+              </a:ext>
+            </a:extLst>
+          </p:cNvPr>
+          <p:cNvSpPr txBox="1"/>
+          <p:nvPr/>
+        </p:nvSpPr>
+        <p:spPr>
+          <a:xfrm>
+            <a:off x="2502495" y="3100006"/>
+            <a:ext cx="1127937" cy="369332"/>
+          </a:xfrm>
+          <a:prstGeom prst="rect">
+            <a:avLst/>
+          </a:prstGeom>
+          <a:noFill/>
+        </p:spPr>
+        <p:txBody>
+          <a:bodyPr wrap="none" rtlCol="0">
+            <a:spAutoFit/>
+          </a:bodyPr>
+          <a:lstStyle/>
+          <a:p>
+            <a:r>
+              <a:rPr lang="de-DE" dirty="0"/>
+              <a:t>Computer</a:t>
+            </a:r>
+            <a:endParaRPr lang="en-GB" dirty="0"/>
+          </a:p>
+        </p:txBody>
+      </p:sp>
+      <p:cxnSp>
+        <p:nvCxnSpPr>
+          <p:cNvPr id="13" name="Gerade Verbindung mit Pfeil 12">
+            <a:extLst>
+              <a:ext uri="{FF2B5EF4-FFF2-40B4-BE49-F238E27FC236}">
+                <a16:creationId xmlns:a16="http://schemas.microsoft.com/office/drawing/2014/main" id="{04F71584-4DE4-42AA-A70E-4DEA8198F94C}"/>
+              </a:ext>
+            </a:extLst>
+          </p:cNvPr>
+          <p:cNvCxnSpPr/>
+          <p:nvPr/>
+        </p:nvCxnSpPr>
+        <p:spPr>
+          <a:xfrm>
+            <a:off x="6453984" y="1791037"/>
+            <a:ext cx="0" cy="532541"/>
+          </a:xfrm>
+          <a:prstGeom prst="straightConnector1">
+            <a:avLst/>
+          </a:prstGeom>
+          <a:ln>
+            <a:tailEnd type="triangle"/>
+          </a:ln>
+        </p:spPr>
+        <p:style>
+          <a:lnRef idx="1">
+            <a:schemeClr val="accent1"/>
+          </a:lnRef>
+          <a:fillRef idx="0">
+            <a:schemeClr val="accent1"/>
+          </a:fillRef>
+          <a:effectRef idx="0">
+            <a:schemeClr val="accent1"/>
+          </a:effectRef>
+          <a:fontRef idx="minor">
+            <a:schemeClr val="tx1"/>
+          </a:fontRef>
+        </p:style>
+      </p:cxnSp>
+      <p:cxnSp>
+        <p:nvCxnSpPr>
+          <p:cNvPr id="14" name="Gerade Verbindung mit Pfeil 13">
+            <a:extLst>
+              <a:ext uri="{FF2B5EF4-FFF2-40B4-BE49-F238E27FC236}">
+                <a16:creationId xmlns:a16="http://schemas.microsoft.com/office/drawing/2014/main" id="{24E43F7D-805C-4955-BAF8-FD166900456B}"/>
+              </a:ext>
+            </a:extLst>
+          </p:cNvPr>
+          <p:cNvCxnSpPr>
+            <a:cxnSpLocks/>
+            <a:endCxn id="6" idx="0"/>
+          </p:cNvCxnSpPr>
+          <p:nvPr/>
+        </p:nvCxnSpPr>
+        <p:spPr>
+          <a:xfrm>
+            <a:off x="6453984" y="2573914"/>
+            <a:ext cx="14399" cy="577809"/>
+          </a:xfrm>
+          <a:prstGeom prst="straightConnector1">
+            <a:avLst/>
+          </a:prstGeom>
+          <a:ln>
+            <a:tailEnd type="triangle"/>
+          </a:ln>
+        </p:spPr>
+        <p:style>
+          <a:lnRef idx="1">
+            <a:schemeClr val="accent1"/>
+          </a:lnRef>
+          <a:fillRef idx="0">
+            <a:schemeClr val="accent1"/>
+          </a:fillRef>
+          <a:effectRef idx="0">
+            <a:schemeClr val="accent1"/>
+          </a:effectRef>
+          <a:fontRef idx="minor">
+            <a:schemeClr val="tx1"/>
+          </a:fontRef>
+        </p:style>
+      </p:cxnSp>
+      <p:cxnSp>
+        <p:nvCxnSpPr>
+          <p:cNvPr id="15" name="Gerade Verbindung mit Pfeil 14">
+            <a:extLst>
+              <a:ext uri="{FF2B5EF4-FFF2-40B4-BE49-F238E27FC236}">
+                <a16:creationId xmlns:a16="http://schemas.microsoft.com/office/drawing/2014/main" id="{C23D0613-F739-4C62-81F9-A55DA5AC89FB}"/>
+              </a:ext>
+            </a:extLst>
+          </p:cNvPr>
+          <p:cNvCxnSpPr>
+            <a:cxnSpLocks/>
+            <a:stCxn id="6" idx="2"/>
+            <a:endCxn id="10" idx="3"/>
+          </p:cNvCxnSpPr>
+          <p:nvPr/>
+        </p:nvCxnSpPr>
+        <p:spPr>
+          <a:xfrm flipH="1">
+            <a:off x="5288607" y="3521055"/>
+            <a:ext cx="1179776" cy="980915"/>
+          </a:xfrm>
+          <a:prstGeom prst="straightConnector1">
+            <a:avLst/>
+          </a:prstGeom>
+          <a:ln>
+            <a:tailEnd type="triangle"/>
+          </a:ln>
+        </p:spPr>
+        <p:style>
+          <a:lnRef idx="1">
+            <a:schemeClr val="accent1"/>
+          </a:lnRef>
+          <a:fillRef idx="0">
+            <a:schemeClr val="accent1"/>
+          </a:fillRef>
+          <a:effectRef idx="0">
+            <a:schemeClr val="accent1"/>
+          </a:effectRef>
+          <a:fontRef idx="minor">
+            <a:schemeClr val="tx1"/>
+          </a:fontRef>
+        </p:style>
+      </p:cxnSp>
+      <p:cxnSp>
+        <p:nvCxnSpPr>
+          <p:cNvPr id="20" name="Verbinder: gewinkelt 19">
+            <a:extLst>
+              <a:ext uri="{FF2B5EF4-FFF2-40B4-BE49-F238E27FC236}">
+                <a16:creationId xmlns:a16="http://schemas.microsoft.com/office/drawing/2014/main" id="{712DB3BD-E846-4D66-816C-7C336818E375}"/>
+              </a:ext>
+            </a:extLst>
+          </p:cNvPr>
+          <p:cNvCxnSpPr>
+            <a:cxnSpLocks/>
+            <a:stCxn id="4" idx="0"/>
+            <a:endCxn id="7" idx="1"/>
+          </p:cNvCxnSpPr>
+          <p:nvPr/>
+        </p:nvCxnSpPr>
+        <p:spPr>
+          <a:xfrm rot="5400000" flipH="1" flipV="1">
+            <a:off x="3399307" y="1683223"/>
+            <a:ext cx="648129" cy="1321515"/>
+          </a:xfrm>
+          <a:prstGeom prst="bentConnector2">
+            <a:avLst/>
+          </a:prstGeom>
+          <a:ln>
+            <a:prstDash val="lgDash"/>
+            <a:tailEnd type="triangle"/>
+          </a:ln>
+        </p:spPr>
+        <p:style>
+          <a:lnRef idx="1">
+            <a:schemeClr val="accent1"/>
+          </a:lnRef>
+          <a:fillRef idx="0">
+            <a:schemeClr val="accent1"/>
+          </a:fillRef>
+          <a:effectRef idx="0">
+            <a:schemeClr val="accent1"/>
+          </a:effectRef>
+          <a:fontRef idx="minor">
+            <a:schemeClr val="tx1"/>
+          </a:fontRef>
+        </p:style>
+      </p:cxnSp>
+      <p:sp>
+        <p:nvSpPr>
+          <p:cNvPr id="23" name="Textfeld 22">
+            <a:extLst>
+              <a:ext uri="{FF2B5EF4-FFF2-40B4-BE49-F238E27FC236}">
+                <a16:creationId xmlns:a16="http://schemas.microsoft.com/office/drawing/2014/main" id="{9F53ACB2-BE89-44BD-9473-0BDC83A619BC}"/>
+              </a:ext>
+            </a:extLst>
+          </p:cNvPr>
+          <p:cNvSpPr txBox="1"/>
+          <p:nvPr/>
+        </p:nvSpPr>
+        <p:spPr>
+          <a:xfrm>
+            <a:off x="3357559" y="1791037"/>
+            <a:ext cx="500458" cy="261610"/>
+          </a:xfrm>
+          <a:prstGeom prst="rect">
+            <a:avLst/>
+          </a:prstGeom>
+          <a:noFill/>
+        </p:spPr>
+        <p:txBody>
+          <a:bodyPr wrap="none" rtlCol="0">
+            <a:spAutoFit/>
+          </a:bodyPr>
+          <a:lstStyle/>
+          <a:p>
+            <a:r>
+              <a:rPr lang="en-GB" sz="1100" dirty="0"/>
+              <a:t>Serial</a:t>
+            </a:r>
+          </a:p>
+        </p:txBody>
+      </p:sp>
+      <p:cxnSp>
+        <p:nvCxnSpPr>
+          <p:cNvPr id="25" name="Gerade Verbindung mit Pfeil 24">
+            <a:extLst>
+              <a:ext uri="{FF2B5EF4-FFF2-40B4-BE49-F238E27FC236}">
+                <a16:creationId xmlns:a16="http://schemas.microsoft.com/office/drawing/2014/main" id="{D8EEB98E-FBB7-4678-957D-C5969DFA394B}"/>
+              </a:ext>
+            </a:extLst>
+          </p:cNvPr>
+          <p:cNvCxnSpPr>
+            <a:cxnSpLocks/>
+            <a:stCxn id="4" idx="3"/>
+            <a:endCxn id="5" idx="1"/>
+          </p:cNvCxnSpPr>
+          <p:nvPr/>
+        </p:nvCxnSpPr>
+        <p:spPr>
+          <a:xfrm flipV="1">
+            <a:off x="3858017" y="3331923"/>
+            <a:ext cx="597991" cy="1"/>
+          </a:xfrm>
+          <a:prstGeom prst="straightConnector1">
+            <a:avLst/>
+          </a:prstGeom>
+          <a:ln>
+            <a:prstDash val="lgDash"/>
+            <a:tailEnd type="triangle"/>
+          </a:ln>
+        </p:spPr>
+        <p:style>
+          <a:lnRef idx="1">
+            <a:schemeClr val="accent1"/>
+          </a:lnRef>
+          <a:fillRef idx="0">
+            <a:schemeClr val="accent1"/>
+          </a:fillRef>
+          <a:effectRef idx="0">
+            <a:schemeClr val="accent1"/>
+          </a:effectRef>
+          <a:fontRef idx="minor">
+            <a:schemeClr val="tx1"/>
+          </a:fontRef>
+        </p:style>
+      </p:cxnSp>
+      <p:cxnSp>
+        <p:nvCxnSpPr>
+          <p:cNvPr id="30" name="Verbinder: gewinkelt 29">
+            <a:extLst>
+              <a:ext uri="{FF2B5EF4-FFF2-40B4-BE49-F238E27FC236}">
+                <a16:creationId xmlns:a16="http://schemas.microsoft.com/office/drawing/2014/main" id="{E97DB725-F828-4DE2-B8CB-F7678C21E8F3}"/>
+              </a:ext>
+            </a:extLst>
+          </p:cNvPr>
+          <p:cNvCxnSpPr>
+            <a:stCxn id="4" idx="2"/>
+            <a:endCxn id="10" idx="1"/>
+          </p:cNvCxnSpPr>
+          <p:nvPr/>
+        </p:nvCxnSpPr>
+        <p:spPr>
+          <a:xfrm rot="16200000" flipH="1">
+            <a:off x="3470288" y="3588128"/>
+            <a:ext cx="506167" cy="1321515"/>
+          </a:xfrm>
+          <a:prstGeom prst="bentConnector2">
+            <a:avLst/>
+          </a:prstGeom>
+          <a:ln>
+            <a:prstDash val="lgDash"/>
+            <a:headEnd type="triangle"/>
+            <a:tailEnd type="triangle"/>
+          </a:ln>
+        </p:spPr>
+        <p:style>
+          <a:lnRef idx="1">
+            <a:schemeClr val="accent1"/>
+          </a:lnRef>
+          <a:fillRef idx="0">
+            <a:schemeClr val="accent1"/>
+          </a:fillRef>
+          <a:effectRef idx="0">
+            <a:schemeClr val="accent1"/>
+          </a:effectRef>
+          <a:fontRef idx="minor">
+            <a:schemeClr val="tx1"/>
+          </a:fontRef>
+        </p:style>
+      </p:cxnSp>
+      <p:sp>
+        <p:nvSpPr>
+          <p:cNvPr id="31" name="Textfeld 30">
+            <a:extLst>
+              <a:ext uri="{FF2B5EF4-FFF2-40B4-BE49-F238E27FC236}">
+                <a16:creationId xmlns:a16="http://schemas.microsoft.com/office/drawing/2014/main" id="{C3DD48D9-9142-4015-8014-9EC1DCB90A86}"/>
+              </a:ext>
+            </a:extLst>
+          </p:cNvPr>
+          <p:cNvSpPr txBox="1"/>
+          <p:nvPr/>
+        </p:nvSpPr>
+        <p:spPr>
+          <a:xfrm>
+            <a:off x="3380203" y="4235755"/>
+            <a:ext cx="436338" cy="261610"/>
+          </a:xfrm>
+          <a:prstGeom prst="rect">
+            <a:avLst/>
+          </a:prstGeom>
+          <a:noFill/>
+        </p:spPr>
+        <p:txBody>
+          <a:bodyPr wrap="none" rtlCol="0">
+            <a:spAutoFit/>
+          </a:bodyPr>
+          <a:lstStyle/>
+          <a:p>
+            <a:r>
+              <a:rPr lang="en-GB" sz="1100" dirty="0"/>
+              <a:t>PCIE</a:t>
+            </a:r>
+          </a:p>
+        </p:txBody>
+      </p:sp>
+      <p:sp>
+        <p:nvSpPr>
+          <p:cNvPr id="32" name="Textfeld 31">
+            <a:extLst>
+              <a:ext uri="{FF2B5EF4-FFF2-40B4-BE49-F238E27FC236}">
+                <a16:creationId xmlns:a16="http://schemas.microsoft.com/office/drawing/2014/main" id="{DACC664F-E3FD-4DE5-92C8-461D6026E82D}"/>
+              </a:ext>
+            </a:extLst>
+          </p:cNvPr>
+          <p:cNvSpPr txBox="1"/>
+          <p:nvPr/>
+        </p:nvSpPr>
+        <p:spPr>
+          <a:xfrm>
+            <a:off x="3883671" y="3100006"/>
+            <a:ext cx="482824" cy="261610"/>
+          </a:xfrm>
+          <a:prstGeom prst="rect">
+            <a:avLst/>
+          </a:prstGeom>
+          <a:noFill/>
+        </p:spPr>
+        <p:txBody>
+          <a:bodyPr wrap="none" rtlCol="0">
+            <a:spAutoFit/>
+          </a:bodyPr>
+          <a:lstStyle/>
+          <a:p>
+            <a:r>
+              <a:rPr lang="en-GB" sz="1100" dirty="0"/>
+              <a:t>HTTP</a:t>
+            </a:r>
+          </a:p>
+        </p:txBody>
+      </p:sp>
+      <p:cxnSp>
+        <p:nvCxnSpPr>
+          <p:cNvPr id="34" name="Verbinder: gewinkelt 33">
+            <a:extLst>
+              <a:ext uri="{FF2B5EF4-FFF2-40B4-BE49-F238E27FC236}">
+                <a16:creationId xmlns:a16="http://schemas.microsoft.com/office/drawing/2014/main" id="{3437BD78-6A2A-4F9D-9A95-1CFF7FBD60DE}"/>
+              </a:ext>
+            </a:extLst>
+          </p:cNvPr>
+          <p:cNvCxnSpPr>
+            <a:stCxn id="7" idx="3"/>
+            <a:endCxn id="9" idx="1"/>
+          </p:cNvCxnSpPr>
+          <p:nvPr/>
+        </p:nvCxnSpPr>
+        <p:spPr>
+          <a:xfrm flipV="1">
+            <a:off x="5137220" y="1606371"/>
+            <a:ext cx="977569" cy="413544"/>
+          </a:xfrm>
+          <a:prstGeom prst="bentConnector3">
+            <a:avLst/>
+          </a:prstGeom>
+          <a:ln>
+            <a:tailEnd type="triangle"/>
+          </a:ln>
+        </p:spPr>
+        <p:style>
+          <a:lnRef idx="1">
+            <a:schemeClr val="accent1"/>
+          </a:lnRef>
+          <a:fillRef idx="0">
+            <a:schemeClr val="accent1"/>
+          </a:fillRef>
+          <a:effectRef idx="0">
+            <a:schemeClr val="accent1"/>
+          </a:effectRef>
+          <a:fontRef idx="minor">
+            <a:schemeClr val="tx1"/>
+          </a:fontRef>
+        </p:style>
+      </p:cxnSp>
+      <p:cxnSp>
+        <p:nvCxnSpPr>
+          <p:cNvPr id="36" name="Verbinder: gewinkelt 35">
+            <a:extLst>
+              <a:ext uri="{FF2B5EF4-FFF2-40B4-BE49-F238E27FC236}">
+                <a16:creationId xmlns:a16="http://schemas.microsoft.com/office/drawing/2014/main" id="{75D8B02E-753E-4B2E-91DA-F0DA8EBD3972}"/>
+              </a:ext>
+            </a:extLst>
+          </p:cNvPr>
+          <p:cNvCxnSpPr>
+            <a:stCxn id="7" idx="3"/>
+            <a:endCxn id="8" idx="1"/>
+          </p:cNvCxnSpPr>
+          <p:nvPr/>
+        </p:nvCxnSpPr>
+        <p:spPr>
+          <a:xfrm>
+            <a:off x="5137220" y="2019915"/>
+            <a:ext cx="977569" cy="369332"/>
+          </a:xfrm>
+          <a:prstGeom prst="bentConnector3">
+            <a:avLst/>
+          </a:prstGeom>
+          <a:ln>
+            <a:tailEnd type="triangle"/>
+          </a:ln>
+        </p:spPr>
+        <p:style>
+          <a:lnRef idx="1">
+            <a:schemeClr val="accent1"/>
+          </a:lnRef>
+          <a:fillRef idx="0">
+            <a:schemeClr val="accent1"/>
+          </a:fillRef>
+          <a:effectRef idx="0">
+            <a:schemeClr val="accent1"/>
+          </a:effectRef>
+          <a:fontRef idx="minor">
+            <a:schemeClr val="tx1"/>
+          </a:fontRef>
+        </p:style>
+      </p:cxnSp>
+      <p:cxnSp>
+        <p:nvCxnSpPr>
+          <p:cNvPr id="38" name="Gerade Verbindung mit Pfeil 37">
+            <a:extLst>
+              <a:ext uri="{FF2B5EF4-FFF2-40B4-BE49-F238E27FC236}">
+                <a16:creationId xmlns:a16="http://schemas.microsoft.com/office/drawing/2014/main" id="{718BE65C-99FB-4E90-A5C4-F13ADA72D6B1}"/>
+              </a:ext>
+            </a:extLst>
+          </p:cNvPr>
+          <p:cNvCxnSpPr>
+            <a:cxnSpLocks/>
+            <a:stCxn id="5" idx="3"/>
+            <a:endCxn id="6" idx="1"/>
+          </p:cNvCxnSpPr>
+          <p:nvPr/>
+        </p:nvCxnSpPr>
+        <p:spPr>
+          <a:xfrm>
+            <a:off x="5818432" y="3331923"/>
+            <a:ext cx="316366" cy="4466"/>
+          </a:xfrm>
+          <a:prstGeom prst="straightConnector1">
+            <a:avLst/>
+          </a:prstGeom>
+          <a:ln>
+            <a:tailEnd type="triangle"/>
+          </a:ln>
+        </p:spPr>
+        <p:style>
+          <a:lnRef idx="1">
+            <a:schemeClr val="accent1"/>
+          </a:lnRef>
+          <a:fillRef idx="0">
+            <a:schemeClr val="accent1"/>
+          </a:fillRef>
+          <a:effectRef idx="0">
+            <a:schemeClr val="accent1"/>
+          </a:effectRef>
+          <a:fontRef idx="minor">
+            <a:schemeClr val="tx1"/>
+          </a:fontRef>
+        </p:style>
+      </p:cxnSp>
+    </p:spTree>
+    <p:extLst>
+      <p:ext uri="{BB962C8B-B14F-4D97-AF65-F5344CB8AC3E}">
+        <p14:creationId xmlns:p14="http://schemas.microsoft.com/office/powerpoint/2010/main" val="370630330"/>
+      </p:ext>
+    </p:extLst>
+  </p:cSld>
+  <p:clrMapOvr>
+    <a:masterClrMapping/>
+  </p:clrMapOvr>
+</p:sld>
+</file>
+
+<file path=ppt/slides/slide3.xml><?xml version="1.0" encoding="utf-8"?>
 <p:sld xmlns:a="http://schemas.openxmlformats.org/drawingml/2006/main" xmlns:r="http://schemas.openxmlformats.org/officeDocument/2006/relationships" xmlns:p="http://schemas.openxmlformats.org/presentationml/2006/main">
   <p:cSld>
     <p:spTree>
